--- a/Student_Performance_Classification_Presentation.pptx
+++ b/Student_Performance_Classification_Presentation.pptx
@@ -1,18 +1,18 @@
 
 <file path=ppt/presentation.xml><?xml version="1.0" encoding="utf-8"?>
-<p:presentation xmlns:a="http://schemas.openxmlformats.org/drawingml/2006/main" xmlns:r="http://schemas.openxmlformats.org/officeDocument/2006/relationships" xmlns:p="http://schemas.openxmlformats.org/presentationml/2006/main" saveSubsetFonts="1" autoCompressPictures="0">
+<p:presentation xmlns:a="http://schemas.openxmlformats.org/drawingml/2006/main" xmlns:r="http://schemas.openxmlformats.org/officeDocument/2006/relationships" xmlns:p="http://schemas.openxmlformats.org/presentationml/2006/main" autoCompressPictures="0">
   <p:sldMasterIdLst>
     <p:sldMasterId id="2147483648" r:id="rId1"/>
   </p:sldMasterIdLst>
   <p:sldIdLst>
-    <p:sldId id="256" r:id="rId7"/>
-    <p:sldId id="257" r:id="rId8"/>
-    <p:sldId id="258" r:id="rId9"/>
-    <p:sldId id="259" r:id="rId10"/>
-    <p:sldId id="260" r:id="rId11"/>
-    <p:sldId id="261" r:id="rId12"/>
-    <p:sldId id="262" r:id="rId13"/>
-    <p:sldId id="263" r:id="rId14"/>
+    <p:sldId id="256" r:id="rId3"/>
+    <p:sldId id="257" r:id="rId4"/>
+    <p:sldId id="258" r:id="rId5"/>
+    <p:sldId id="259" r:id="rId6"/>
+    <p:sldId id="260" r:id="rId7"/>
+    <p:sldId id="261" r:id="rId8"/>
+    <p:sldId id="262" r:id="rId9"/>
+    <p:sldId id="263" r:id="rId10"/>
   </p:sldIdLst>
   <p:sldSz cx="9144000" cy="6858000" type="screen4x3"/>
   <p:notesSz cx="6858000" cy="9144000"/>
@@ -111,6 +111,22 @@
       </a:defRPr>
     </a:lvl9pPr>
   </p:defaultTextStyle>
+  <p:extLst>
+    <p:ext uri="{EFAFB233-063F-42B5-8137-9DF3F51BA10A}">
+      <p15:sldGuideLst xmlns:p15="http://schemas.microsoft.com/office/powerpoint/2012/main">
+        <p15:guide id="1" orient="horz" pos="2160" userDrawn="1">
+          <p15:clr>
+            <a:srgbClr val="A4A3A4"/>
+          </p15:clr>
+        </p15:guide>
+        <p15:guide id="2" pos="2880" userDrawn="1">
+          <p15:clr>
+            <a:srgbClr val="A4A3A4"/>
+          </p15:clr>
+        </p15:guide>
+      </p15:sldGuideLst>
+    </p:ext>
+  </p:extLst>
 </p:presentation>
 </file>
 
@@ -295,7 +311,6 @@
           <a:p>
             <a:fld id="{5BCAD085-E8A6-8845-BD4E-CB4CCA059FC4}" type="datetimeFigureOut">
               <a:rPr lang="en-US" smtClean="0"/>
-              <a:t>1/27/13</a:t>
             </a:fld>
             <a:endParaRPr lang="en-US"/>
           </a:p>
@@ -337,18 +352,12 @@
           <a:p>
             <a:fld id="{C1FF6DA9-008F-8B48-92A6-B652298478BF}" type="slidenum">
               <a:rPr lang="en-US" smtClean="0"/>
-              <a:t>‹#›</a:t>
             </a:fld>
             <a:endParaRPr lang="en-US"/>
           </a:p>
         </p:txBody>
       </p:sp>
     </p:spTree>
-    <p:extLst>
-      <p:ext uri="{BB962C8B-B14F-4D97-AF65-F5344CB8AC3E}">
-        <p14:creationId xmlns:p14="http://schemas.microsoft.com/office/powerpoint/2010/main" val="3168075583"/>
-      </p:ext>
-    </p:extLst>
   </p:cSld>
   <p:clrMapOvr>
     <a:masterClrMapping/>
@@ -416,6 +425,7 @@
               <a:rPr lang="en-US" smtClean="0"/>
               <a:t>Click to edit Master text styles</a:t>
             </a:r>
+            <a:endParaRPr lang="en-US" smtClean="0"/>
           </a:p>
           <a:p>
             <a:pPr lvl="1"/>
@@ -423,6 +433,7 @@
               <a:rPr lang="en-US" smtClean="0"/>
               <a:t>Second level</a:t>
             </a:r>
+            <a:endParaRPr lang="en-US" smtClean="0"/>
           </a:p>
           <a:p>
             <a:pPr lvl="2"/>
@@ -430,6 +441,7 @@
               <a:rPr lang="en-US" smtClean="0"/>
               <a:t>Third level</a:t>
             </a:r>
+            <a:endParaRPr lang="en-US" smtClean="0"/>
           </a:p>
           <a:p>
             <a:pPr lvl="3"/>
@@ -437,6 +449,7 @@
               <a:rPr lang="en-US" smtClean="0"/>
               <a:t>Fourth level</a:t>
             </a:r>
+            <a:endParaRPr lang="en-US" smtClean="0"/>
           </a:p>
           <a:p>
             <a:pPr lvl="4"/>
@@ -465,7 +478,6 @@
           <a:p>
             <a:fld id="{5BCAD085-E8A6-8845-BD4E-CB4CCA059FC4}" type="datetimeFigureOut">
               <a:rPr lang="en-US" smtClean="0"/>
-              <a:t>1/27/13</a:t>
             </a:fld>
             <a:endParaRPr lang="en-US"/>
           </a:p>
@@ -507,18 +519,12 @@
           <a:p>
             <a:fld id="{C1FF6DA9-008F-8B48-92A6-B652298478BF}" type="slidenum">
               <a:rPr lang="en-US" smtClean="0"/>
-              <a:t>‹#›</a:t>
             </a:fld>
             <a:endParaRPr lang="en-US"/>
           </a:p>
         </p:txBody>
       </p:sp>
     </p:spTree>
-    <p:extLst>
-      <p:ext uri="{BB962C8B-B14F-4D97-AF65-F5344CB8AC3E}">
-        <p14:creationId xmlns:p14="http://schemas.microsoft.com/office/powerpoint/2010/main" val="2910927964"/>
-      </p:ext>
-    </p:extLst>
   </p:cSld>
   <p:clrMapOvr>
     <a:masterClrMapping/>
@@ -596,6 +602,7 @@
               <a:rPr lang="en-US" smtClean="0"/>
               <a:t>Click to edit Master text styles</a:t>
             </a:r>
+            <a:endParaRPr lang="en-US" smtClean="0"/>
           </a:p>
           <a:p>
             <a:pPr lvl="1"/>
@@ -603,6 +610,7 @@
               <a:rPr lang="en-US" smtClean="0"/>
               <a:t>Second level</a:t>
             </a:r>
+            <a:endParaRPr lang="en-US" smtClean="0"/>
           </a:p>
           <a:p>
             <a:pPr lvl="2"/>
@@ -610,6 +618,7 @@
               <a:rPr lang="en-US" smtClean="0"/>
               <a:t>Third level</a:t>
             </a:r>
+            <a:endParaRPr lang="en-US" smtClean="0"/>
           </a:p>
           <a:p>
             <a:pPr lvl="3"/>
@@ -617,6 +626,7 @@
               <a:rPr lang="en-US" smtClean="0"/>
               <a:t>Fourth level</a:t>
             </a:r>
+            <a:endParaRPr lang="en-US" smtClean="0"/>
           </a:p>
           <a:p>
             <a:pPr lvl="4"/>
@@ -645,7 +655,6 @@
           <a:p>
             <a:fld id="{5BCAD085-E8A6-8845-BD4E-CB4CCA059FC4}" type="datetimeFigureOut">
               <a:rPr lang="en-US" smtClean="0"/>
-              <a:t>1/27/13</a:t>
             </a:fld>
             <a:endParaRPr lang="en-US"/>
           </a:p>
@@ -687,18 +696,12 @@
           <a:p>
             <a:fld id="{C1FF6DA9-008F-8B48-92A6-B652298478BF}" type="slidenum">
               <a:rPr lang="en-US" smtClean="0"/>
-              <a:t>‹#›</a:t>
             </a:fld>
             <a:endParaRPr lang="en-US"/>
           </a:p>
         </p:txBody>
       </p:sp>
     </p:spTree>
-    <p:extLst>
-      <p:ext uri="{BB962C8B-B14F-4D97-AF65-F5344CB8AC3E}">
-        <p14:creationId xmlns:p14="http://schemas.microsoft.com/office/powerpoint/2010/main" val="3612223792"/>
-      </p:ext>
-    </p:extLst>
   </p:cSld>
   <p:clrMapOvr>
     <a:masterClrMapping/>
@@ -766,6 +769,7 @@
               <a:rPr lang="en-US" smtClean="0"/>
               <a:t>Click to edit Master text styles</a:t>
             </a:r>
+            <a:endParaRPr lang="en-US" smtClean="0"/>
           </a:p>
           <a:p>
             <a:pPr lvl="1"/>
@@ -773,6 +777,7 @@
               <a:rPr lang="en-US" smtClean="0"/>
               <a:t>Second level</a:t>
             </a:r>
+            <a:endParaRPr lang="en-US" smtClean="0"/>
           </a:p>
           <a:p>
             <a:pPr lvl="2"/>
@@ -780,6 +785,7 @@
               <a:rPr lang="en-US" smtClean="0"/>
               <a:t>Third level</a:t>
             </a:r>
+            <a:endParaRPr lang="en-US" smtClean="0"/>
           </a:p>
           <a:p>
             <a:pPr lvl="3"/>
@@ -787,6 +793,7 @@
               <a:rPr lang="en-US" smtClean="0"/>
               <a:t>Fourth level</a:t>
             </a:r>
+            <a:endParaRPr lang="en-US" smtClean="0"/>
           </a:p>
           <a:p>
             <a:pPr lvl="4"/>
@@ -815,7 +822,6 @@
           <a:p>
             <a:fld id="{5BCAD085-E8A6-8845-BD4E-CB4CCA059FC4}" type="datetimeFigureOut">
               <a:rPr lang="en-US" smtClean="0"/>
-              <a:t>1/27/13</a:t>
             </a:fld>
             <a:endParaRPr lang="en-US"/>
           </a:p>
@@ -857,18 +863,12 @@
           <a:p>
             <a:fld id="{C1FF6DA9-008F-8B48-92A6-B652298478BF}" type="slidenum">
               <a:rPr lang="en-US" smtClean="0"/>
-              <a:t>‹#›</a:t>
             </a:fld>
             <a:endParaRPr lang="en-US"/>
           </a:p>
         </p:txBody>
       </p:sp>
     </p:spTree>
-    <p:extLst>
-      <p:ext uri="{BB962C8B-B14F-4D97-AF65-F5344CB8AC3E}">
-        <p14:creationId xmlns:p14="http://schemas.microsoft.com/office/powerpoint/2010/main" val="2614314258"/>
-      </p:ext>
-    </p:extLst>
   </p:cSld>
   <p:clrMapOvr>
     <a:masterClrMapping/>
@@ -1041,6 +1041,7 @@
               <a:rPr lang="en-US" smtClean="0"/>
               <a:t>Click to edit Master text styles</a:t>
             </a:r>
+            <a:endParaRPr lang="en-US" smtClean="0"/>
           </a:p>
         </p:txBody>
       </p:sp>
@@ -1061,7 +1062,6 @@
           <a:p>
             <a:fld id="{5BCAD085-E8A6-8845-BD4E-CB4CCA059FC4}" type="datetimeFigureOut">
               <a:rPr lang="en-US" smtClean="0"/>
-              <a:t>1/27/13</a:t>
             </a:fld>
             <a:endParaRPr lang="en-US"/>
           </a:p>
@@ -1103,18 +1103,12 @@
           <a:p>
             <a:fld id="{C1FF6DA9-008F-8B48-92A6-B652298478BF}" type="slidenum">
               <a:rPr lang="en-US" smtClean="0"/>
-              <a:t>‹#›</a:t>
             </a:fld>
             <a:endParaRPr lang="en-US"/>
           </a:p>
         </p:txBody>
       </p:sp>
     </p:spTree>
-    <p:extLst>
-      <p:ext uri="{BB962C8B-B14F-4D97-AF65-F5344CB8AC3E}">
-        <p14:creationId xmlns:p14="http://schemas.microsoft.com/office/powerpoint/2010/main" val="960648375"/>
-      </p:ext>
-    </p:extLst>
   </p:cSld>
   <p:clrMapOvr>
     <a:masterClrMapping/>
@@ -1215,6 +1209,7 @@
               <a:rPr lang="en-US" smtClean="0"/>
               <a:t>Click to edit Master text styles</a:t>
             </a:r>
+            <a:endParaRPr lang="en-US" smtClean="0"/>
           </a:p>
           <a:p>
             <a:pPr lvl="1"/>
@@ -1222,6 +1217,7 @@
               <a:rPr lang="en-US" smtClean="0"/>
               <a:t>Second level</a:t>
             </a:r>
+            <a:endParaRPr lang="en-US" smtClean="0"/>
           </a:p>
           <a:p>
             <a:pPr lvl="2"/>
@@ -1229,6 +1225,7 @@
               <a:rPr lang="en-US" smtClean="0"/>
               <a:t>Third level</a:t>
             </a:r>
+            <a:endParaRPr lang="en-US" smtClean="0"/>
           </a:p>
           <a:p>
             <a:pPr lvl="3"/>
@@ -1236,6 +1233,7 @@
               <a:rPr lang="en-US" smtClean="0"/>
               <a:t>Fourth level</a:t>
             </a:r>
+            <a:endParaRPr lang="en-US" smtClean="0"/>
           </a:p>
           <a:p>
             <a:pPr lvl="4"/>
@@ -1300,6 +1298,7 @@
               <a:rPr lang="en-US" smtClean="0"/>
               <a:t>Click to edit Master text styles</a:t>
             </a:r>
+            <a:endParaRPr lang="en-US" smtClean="0"/>
           </a:p>
           <a:p>
             <a:pPr lvl="1"/>
@@ -1307,6 +1306,7 @@
               <a:rPr lang="en-US" smtClean="0"/>
               <a:t>Second level</a:t>
             </a:r>
+            <a:endParaRPr lang="en-US" smtClean="0"/>
           </a:p>
           <a:p>
             <a:pPr lvl="2"/>
@@ -1314,6 +1314,7 @@
               <a:rPr lang="en-US" smtClean="0"/>
               <a:t>Third level</a:t>
             </a:r>
+            <a:endParaRPr lang="en-US" smtClean="0"/>
           </a:p>
           <a:p>
             <a:pPr lvl="3"/>
@@ -1321,6 +1322,7 @@
               <a:rPr lang="en-US" smtClean="0"/>
               <a:t>Fourth level</a:t>
             </a:r>
+            <a:endParaRPr lang="en-US" smtClean="0"/>
           </a:p>
           <a:p>
             <a:pPr lvl="4"/>
@@ -1349,7 +1351,6 @@
           <a:p>
             <a:fld id="{5BCAD085-E8A6-8845-BD4E-CB4CCA059FC4}" type="datetimeFigureOut">
               <a:rPr lang="en-US" smtClean="0"/>
-              <a:t>1/27/13</a:t>
             </a:fld>
             <a:endParaRPr lang="en-US"/>
           </a:p>
@@ -1391,18 +1392,12 @@
           <a:p>
             <a:fld id="{C1FF6DA9-008F-8B48-92A6-B652298478BF}" type="slidenum">
               <a:rPr lang="en-US" smtClean="0"/>
-              <a:t>‹#›</a:t>
             </a:fld>
             <a:endParaRPr lang="en-US"/>
           </a:p>
         </p:txBody>
       </p:sp>
     </p:spTree>
-    <p:extLst>
-      <p:ext uri="{BB962C8B-B14F-4D97-AF65-F5344CB8AC3E}">
-        <p14:creationId xmlns:p14="http://schemas.microsoft.com/office/powerpoint/2010/main" val="2782244947"/>
-      </p:ext>
-    </p:extLst>
   </p:cSld>
   <p:clrMapOvr>
     <a:masterClrMapping/>
@@ -1516,6 +1511,7 @@
               <a:rPr lang="en-US" smtClean="0"/>
               <a:t>Click to edit Master text styles</a:t>
             </a:r>
+            <a:endParaRPr lang="en-US" smtClean="0"/>
           </a:p>
         </p:txBody>
       </p:sp>
@@ -1572,6 +1568,7 @@
               <a:rPr lang="en-US" smtClean="0"/>
               <a:t>Click to edit Master text styles</a:t>
             </a:r>
+            <a:endParaRPr lang="en-US" smtClean="0"/>
           </a:p>
           <a:p>
             <a:pPr lvl="1"/>
@@ -1579,6 +1576,7 @@
               <a:rPr lang="en-US" smtClean="0"/>
               <a:t>Second level</a:t>
             </a:r>
+            <a:endParaRPr lang="en-US" smtClean="0"/>
           </a:p>
           <a:p>
             <a:pPr lvl="2"/>
@@ -1586,6 +1584,7 @@
               <a:rPr lang="en-US" smtClean="0"/>
               <a:t>Third level</a:t>
             </a:r>
+            <a:endParaRPr lang="en-US" smtClean="0"/>
           </a:p>
           <a:p>
             <a:pPr lvl="3"/>
@@ -1593,6 +1592,7 @@
               <a:rPr lang="en-US" smtClean="0"/>
               <a:t>Fourth level</a:t>
             </a:r>
+            <a:endParaRPr lang="en-US" smtClean="0"/>
           </a:p>
           <a:p>
             <a:pPr lvl="4"/>
@@ -1666,6 +1666,7 @@
               <a:rPr lang="en-US" smtClean="0"/>
               <a:t>Click to edit Master text styles</a:t>
             </a:r>
+            <a:endParaRPr lang="en-US" smtClean="0"/>
           </a:p>
         </p:txBody>
       </p:sp>
@@ -1722,6 +1723,7 @@
               <a:rPr lang="en-US" smtClean="0"/>
               <a:t>Click to edit Master text styles</a:t>
             </a:r>
+            <a:endParaRPr lang="en-US" smtClean="0"/>
           </a:p>
           <a:p>
             <a:pPr lvl="1"/>
@@ -1729,6 +1731,7 @@
               <a:rPr lang="en-US" smtClean="0"/>
               <a:t>Second level</a:t>
             </a:r>
+            <a:endParaRPr lang="en-US" smtClean="0"/>
           </a:p>
           <a:p>
             <a:pPr lvl="2"/>
@@ -1736,6 +1739,7 @@
               <a:rPr lang="en-US" smtClean="0"/>
               <a:t>Third level</a:t>
             </a:r>
+            <a:endParaRPr lang="en-US" smtClean="0"/>
           </a:p>
           <a:p>
             <a:pPr lvl="3"/>
@@ -1743,6 +1747,7 @@
               <a:rPr lang="en-US" smtClean="0"/>
               <a:t>Fourth level</a:t>
             </a:r>
+            <a:endParaRPr lang="en-US" smtClean="0"/>
           </a:p>
           <a:p>
             <a:pPr lvl="4"/>
@@ -1771,7 +1776,6 @@
           <a:p>
             <a:fld id="{5BCAD085-E8A6-8845-BD4E-CB4CCA059FC4}" type="datetimeFigureOut">
               <a:rPr lang="en-US" smtClean="0"/>
-              <a:t>1/27/13</a:t>
             </a:fld>
             <a:endParaRPr lang="en-US"/>
           </a:p>
@@ -1813,18 +1817,12 @@
           <a:p>
             <a:fld id="{C1FF6DA9-008F-8B48-92A6-B652298478BF}" type="slidenum">
               <a:rPr lang="en-US" smtClean="0"/>
-              <a:t>‹#›</a:t>
             </a:fld>
             <a:endParaRPr lang="en-US"/>
           </a:p>
         </p:txBody>
       </p:sp>
     </p:spTree>
-    <p:extLst>
-      <p:ext uri="{BB962C8B-B14F-4D97-AF65-F5344CB8AC3E}">
-        <p14:creationId xmlns:p14="http://schemas.microsoft.com/office/powerpoint/2010/main" val="990158736"/>
-      </p:ext>
-    </p:extLst>
   </p:cSld>
   <p:clrMapOvr>
     <a:masterClrMapping/>
@@ -1889,7 +1887,6 @@
           <a:p>
             <a:fld id="{5BCAD085-E8A6-8845-BD4E-CB4CCA059FC4}" type="datetimeFigureOut">
               <a:rPr lang="en-US" smtClean="0"/>
-              <a:t>1/27/13</a:t>
             </a:fld>
             <a:endParaRPr lang="en-US"/>
           </a:p>
@@ -1931,18 +1928,12 @@
           <a:p>
             <a:fld id="{C1FF6DA9-008F-8B48-92A6-B652298478BF}" type="slidenum">
               <a:rPr lang="en-US" smtClean="0"/>
-              <a:t>‹#›</a:t>
             </a:fld>
             <a:endParaRPr lang="en-US"/>
           </a:p>
         </p:txBody>
       </p:sp>
     </p:spTree>
-    <p:extLst>
-      <p:ext uri="{BB962C8B-B14F-4D97-AF65-F5344CB8AC3E}">
-        <p14:creationId xmlns:p14="http://schemas.microsoft.com/office/powerpoint/2010/main" val="727027711"/>
-      </p:ext>
-    </p:extLst>
   </p:cSld>
   <p:clrMapOvr>
     <a:masterClrMapping/>
@@ -1984,7 +1975,6 @@
           <a:p>
             <a:fld id="{5BCAD085-E8A6-8845-BD4E-CB4CCA059FC4}" type="datetimeFigureOut">
               <a:rPr lang="en-US" smtClean="0"/>
-              <a:t>1/27/13</a:t>
             </a:fld>
             <a:endParaRPr lang="en-US"/>
           </a:p>
@@ -2026,18 +2016,12 @@
           <a:p>
             <a:fld id="{C1FF6DA9-008F-8B48-92A6-B652298478BF}" type="slidenum">
               <a:rPr lang="en-US" smtClean="0"/>
-              <a:t>‹#›</a:t>
             </a:fld>
             <a:endParaRPr lang="en-US"/>
           </a:p>
         </p:txBody>
       </p:sp>
     </p:spTree>
-    <p:extLst>
-      <p:ext uri="{BB962C8B-B14F-4D97-AF65-F5344CB8AC3E}">
-        <p14:creationId xmlns:p14="http://schemas.microsoft.com/office/powerpoint/2010/main" val="1212999818"/>
-      </p:ext>
-    </p:extLst>
   </p:cSld>
   <p:clrMapOvr>
     <a:masterClrMapping/>
@@ -2147,6 +2131,7 @@
               <a:rPr lang="en-US" smtClean="0"/>
               <a:t>Click to edit Master text styles</a:t>
             </a:r>
+            <a:endParaRPr lang="en-US" smtClean="0"/>
           </a:p>
           <a:p>
             <a:pPr lvl="1"/>
@@ -2154,6 +2139,7 @@
               <a:rPr lang="en-US" smtClean="0"/>
               <a:t>Second level</a:t>
             </a:r>
+            <a:endParaRPr lang="en-US" smtClean="0"/>
           </a:p>
           <a:p>
             <a:pPr lvl="2"/>
@@ -2161,6 +2147,7 @@
               <a:rPr lang="en-US" smtClean="0"/>
               <a:t>Third level</a:t>
             </a:r>
+            <a:endParaRPr lang="en-US" smtClean="0"/>
           </a:p>
           <a:p>
             <a:pPr lvl="3"/>
@@ -2168,6 +2155,7 @@
               <a:rPr lang="en-US" smtClean="0"/>
               <a:t>Fourth level</a:t>
             </a:r>
+            <a:endParaRPr lang="en-US" smtClean="0"/>
           </a:p>
           <a:p>
             <a:pPr lvl="4"/>
@@ -2241,6 +2229,7 @@
               <a:rPr lang="en-US" smtClean="0"/>
               <a:t>Click to edit Master text styles</a:t>
             </a:r>
+            <a:endParaRPr lang="en-US" smtClean="0"/>
           </a:p>
         </p:txBody>
       </p:sp>
@@ -2261,7 +2250,6 @@
           <a:p>
             <a:fld id="{5BCAD085-E8A6-8845-BD4E-CB4CCA059FC4}" type="datetimeFigureOut">
               <a:rPr lang="en-US" smtClean="0"/>
-              <a:t>1/27/13</a:t>
             </a:fld>
             <a:endParaRPr lang="en-US"/>
           </a:p>
@@ -2303,18 +2291,12 @@
           <a:p>
             <a:fld id="{C1FF6DA9-008F-8B48-92A6-B652298478BF}" type="slidenum">
               <a:rPr lang="en-US" smtClean="0"/>
-              <a:t>‹#›</a:t>
             </a:fld>
             <a:endParaRPr lang="en-US"/>
           </a:p>
         </p:txBody>
       </p:sp>
     </p:spTree>
-    <p:extLst>
-      <p:ext uri="{BB962C8B-B14F-4D97-AF65-F5344CB8AC3E}">
-        <p14:creationId xmlns:p14="http://schemas.microsoft.com/office/powerpoint/2010/main" val="1840726560"/>
-      </p:ext>
-    </p:extLst>
   </p:cSld>
   <p:clrMapOvr>
     <a:masterClrMapping/>
@@ -2494,6 +2476,7 @@
               <a:rPr lang="en-US" smtClean="0"/>
               <a:t>Click to edit Master text styles</a:t>
             </a:r>
+            <a:endParaRPr lang="en-US" smtClean="0"/>
           </a:p>
         </p:txBody>
       </p:sp>
@@ -2514,7 +2497,6 @@
           <a:p>
             <a:fld id="{5BCAD085-E8A6-8845-BD4E-CB4CCA059FC4}" type="datetimeFigureOut">
               <a:rPr lang="en-US" smtClean="0"/>
-              <a:t>1/27/13</a:t>
             </a:fld>
             <a:endParaRPr lang="en-US"/>
           </a:p>
@@ -2556,18 +2538,12 @@
           <a:p>
             <a:fld id="{C1FF6DA9-008F-8B48-92A6-B652298478BF}" type="slidenum">
               <a:rPr lang="en-US" smtClean="0"/>
-              <a:t>‹#›</a:t>
             </a:fld>
             <a:endParaRPr lang="en-US"/>
           </a:p>
         </p:txBody>
       </p:sp>
     </p:spTree>
-    <p:extLst>
-      <p:ext uri="{BB962C8B-B14F-4D97-AF65-F5344CB8AC3E}">
-        <p14:creationId xmlns:p14="http://schemas.microsoft.com/office/powerpoint/2010/main" val="3889236939"/>
-      </p:ext>
-    </p:extLst>
   </p:cSld>
   <p:clrMapOvr>
     <a:masterClrMapping/>
@@ -2660,6 +2636,7 @@
               <a:rPr lang="en-US" smtClean="0"/>
               <a:t>Click to edit Master text styles</a:t>
             </a:r>
+            <a:endParaRPr lang="en-US" smtClean="0"/>
           </a:p>
           <a:p>
             <a:pPr lvl="1"/>
@@ -2667,6 +2644,7 @@
               <a:rPr lang="en-US" smtClean="0"/>
               <a:t>Second level</a:t>
             </a:r>
+            <a:endParaRPr lang="en-US" smtClean="0"/>
           </a:p>
           <a:p>
             <a:pPr lvl="2"/>
@@ -2674,6 +2652,7 @@
               <a:rPr lang="en-US" smtClean="0"/>
               <a:t>Third level</a:t>
             </a:r>
+            <a:endParaRPr lang="en-US" smtClean="0"/>
           </a:p>
           <a:p>
             <a:pPr lvl="3"/>
@@ -2681,6 +2660,7 @@
               <a:rPr lang="en-US" smtClean="0"/>
               <a:t>Fourth level</a:t>
             </a:r>
+            <a:endParaRPr lang="en-US" smtClean="0"/>
           </a:p>
           <a:p>
             <a:pPr lvl="4"/>
@@ -2727,7 +2707,6 @@
           <a:p>
             <a:fld id="{5BCAD085-E8A6-8845-BD4E-CB4CCA059FC4}" type="datetimeFigureOut">
               <a:rPr lang="en-US" smtClean="0"/>
-              <a:t>1/27/13</a:t>
             </a:fld>
             <a:endParaRPr lang="en-US"/>
           </a:p>
@@ -2805,18 +2784,12 @@
           <a:p>
             <a:fld id="{C1FF6DA9-008F-8B48-92A6-B652298478BF}" type="slidenum">
               <a:rPr lang="en-US" smtClean="0"/>
-              <a:t>‹#›</a:t>
             </a:fld>
             <a:endParaRPr lang="en-US"/>
           </a:p>
         </p:txBody>
       </p:sp>
     </p:spTree>
-    <p:extLst>
-      <p:ext uri="{BB962C8B-B14F-4D97-AF65-F5344CB8AC3E}">
-        <p14:creationId xmlns:p14="http://schemas.microsoft.com/office/powerpoint/2010/main" val="2209977519"/>
-      </p:ext>
-    </p:extLst>
   </p:cSld>
   <p:clrMap bg1="lt1" tx1="dk1" bg2="lt2" tx2="dk2" accent1="accent1" accent2="accent2" accent3="accent3" accent4="accent4" accent5="accent5" accent6="accent6" hlink="hlink" folHlink="folHlink"/>
   <p:sldLayoutIdLst>
@@ -2854,7 +2827,7 @@
         <a:spcBef>
           <a:spcPct val="20000"/>
         </a:spcBef>
-        <a:buFont typeface="Arial"/>
+        <a:buFont typeface="Arial" panose="020B0604020202020204"/>
         <a:buChar char="•"/>
         <a:defRPr sz="3200" kern="1200">
           <a:solidFill>
@@ -2869,7 +2842,7 @@
         <a:spcBef>
           <a:spcPct val="20000"/>
         </a:spcBef>
-        <a:buFont typeface="Arial"/>
+        <a:buFont typeface="Arial" panose="020B0604020202020204"/>
         <a:buChar char="–"/>
         <a:defRPr sz="2800" kern="1200">
           <a:solidFill>
@@ -2884,7 +2857,7 @@
         <a:spcBef>
           <a:spcPct val="20000"/>
         </a:spcBef>
-        <a:buFont typeface="Arial"/>
+        <a:buFont typeface="Arial" panose="020B0604020202020204"/>
         <a:buChar char="•"/>
         <a:defRPr sz="2400" kern="1200">
           <a:solidFill>
@@ -2899,7 +2872,7 @@
         <a:spcBef>
           <a:spcPct val="20000"/>
         </a:spcBef>
-        <a:buFont typeface="Arial"/>
+        <a:buFont typeface="Arial" panose="020B0604020202020204"/>
         <a:buChar char="–"/>
         <a:defRPr sz="2000" kern="1200">
           <a:solidFill>
@@ -2914,7 +2887,7 @@
         <a:spcBef>
           <a:spcPct val="20000"/>
         </a:spcBef>
-        <a:buFont typeface="Arial"/>
+        <a:buFont typeface="Arial" panose="020B0604020202020204"/>
         <a:buChar char="»"/>
         <a:defRPr sz="2000" kern="1200">
           <a:solidFill>
@@ -2929,7 +2902,7 @@
         <a:spcBef>
           <a:spcPct val="20000"/>
         </a:spcBef>
-        <a:buFont typeface="Arial"/>
+        <a:buFont typeface="Arial" panose="020B0604020202020204"/>
         <a:buChar char="•"/>
         <a:defRPr sz="2000" kern="1200">
           <a:solidFill>
@@ -2944,7 +2917,7 @@
         <a:spcBef>
           <a:spcPct val="20000"/>
         </a:spcBef>
-        <a:buFont typeface="Arial"/>
+        <a:buFont typeface="Arial" panose="020B0604020202020204"/>
         <a:buChar char="•"/>
         <a:defRPr sz="2000" kern="1200">
           <a:solidFill>
@@ -2959,7 +2932,7 @@
         <a:spcBef>
           <a:spcPct val="20000"/>
         </a:spcBef>
-        <a:buFont typeface="Arial"/>
+        <a:buFont typeface="Arial" panose="020B0604020202020204"/>
         <a:buChar char="•"/>
         <a:defRPr sz="2000" kern="1200">
           <a:solidFill>
@@ -2974,7 +2947,7 @@
         <a:spcBef>
           <a:spcPct val="20000"/>
         </a:spcBef>
-        <a:buFont typeface="Arial"/>
+        <a:buFont typeface="Arial" panose="020B0604020202020204"/>
         <a:buChar char="•"/>
         <a:defRPr sz="2000" kern="1200">
           <a:solidFill>
@@ -3086,7 +3059,7 @@
 </file>
 
 <file path=ppt/slides/slide1.xml><?xml version="1.0" encoding="utf-8"?>
-<p:sld xmlns:a="http://schemas.openxmlformats.org/drawingml/2006/main" xmlns:p="http://schemas.openxmlformats.org/presentationml/2006/main" xmlns:r="http://schemas.openxmlformats.org/officeDocument/2006/relationships">
+<p:sld xmlns:a="http://schemas.openxmlformats.org/drawingml/2006/main" xmlns:r="http://schemas.openxmlformats.org/officeDocument/2006/relationships" xmlns:p="http://schemas.openxmlformats.org/presentationml/2006/main">
   <p:cSld>
     <p:spTree>
       <p:nvGrpSpPr>
@@ -3137,8 +3110,16 @@
           </a:p>
           <a:p>
             <a:r>
-              <a:t>By: Data Science Team</a:t>
-            </a:r>
+              <a:t>By: </a:t>
+            </a:r>
+            <a:r>
+              <a:rPr lang="en-US"/>
+              <a:t>Jerome</a:t>
+            </a:r>
+            <a:endParaRPr lang="en-US"/>
+          </a:p>
+          <a:p>
+            <a:endParaRPr lang="en-US"/>
           </a:p>
         </p:txBody>
       </p:sp>
@@ -3151,7 +3132,7 @@
 </file>
 
 <file path=ppt/slides/slide2.xml><?xml version="1.0" encoding="utf-8"?>
-<p:sld xmlns:a="http://schemas.openxmlformats.org/drawingml/2006/main" xmlns:p="http://schemas.openxmlformats.org/presentationml/2006/main" xmlns:r="http://schemas.openxmlformats.org/officeDocument/2006/relationships">
+<p:sld xmlns:a="http://schemas.openxmlformats.org/drawingml/2006/main" xmlns:r="http://schemas.openxmlformats.org/officeDocument/2006/relationships" xmlns:p="http://schemas.openxmlformats.org/presentationml/2006/main">
   <p:cSld>
     <p:spTree>
       <p:nvGrpSpPr>
@@ -3196,19 +3177,16 @@
           <a:bodyPr/>
           <a:lstStyle/>
           <a:p>
-            <a:pPr/>
             <a:r>
               <a:t>Goal: Build a classification model to identify students at risk of failing.</a:t>
             </a:r>
           </a:p>
           <a:p>
-            <a:pPr/>
             <a:r>
               <a:t>Data includes academic performance, behavior, and demographic attributes.</a:t>
             </a:r>
           </a:p>
           <a:p>
-            <a:pPr/>
             <a:r>
               <a:t>Classification allows early identification of students needing support.</a:t>
             </a:r>
@@ -3224,7 +3202,7 @@
 </file>
 
 <file path=ppt/slides/slide3.xml><?xml version="1.0" encoding="utf-8"?>
-<p:sld xmlns:a="http://schemas.openxmlformats.org/drawingml/2006/main" xmlns:p="http://schemas.openxmlformats.org/presentationml/2006/main" xmlns:r="http://schemas.openxmlformats.org/officeDocument/2006/relationships">
+<p:sld xmlns:a="http://schemas.openxmlformats.org/drawingml/2006/main" xmlns:r="http://schemas.openxmlformats.org/officeDocument/2006/relationships" xmlns:p="http://schemas.openxmlformats.org/presentationml/2006/main">
   <p:cSld>
     <p:spTree>
       <p:nvGrpSpPr>
@@ -3269,25 +3247,21 @@
           <a:bodyPr/>
           <a:lstStyle/>
           <a:p>
-            <a:pPr/>
             <a:r>
               <a:t>Problem: Identify students likely to fail the final grade (G3 &lt; 10).</a:t>
             </a:r>
           </a:p>
           <a:p>
-            <a:pPr/>
             <a:r>
               <a:t>Data: Student records including study time, absences, grades, family background, etc.</a:t>
             </a:r>
           </a:p>
           <a:p>
-            <a:pPr/>
             <a:r>
               <a:t>Target: Binary classification – Pass vs. Fail.</a:t>
             </a:r>
           </a:p>
           <a:p>
-            <a:pPr/>
             <a:r>
               <a:t>Stakeholders: School management and academic support teams.</a:t>
             </a:r>
@@ -3303,7 +3277,7 @@
 </file>
 
 <file path=ppt/slides/slide4.xml><?xml version="1.0" encoding="utf-8"?>
-<p:sld xmlns:a="http://schemas.openxmlformats.org/drawingml/2006/main" xmlns:p="http://schemas.openxmlformats.org/presentationml/2006/main" xmlns:r="http://schemas.openxmlformats.org/officeDocument/2006/relationships">
+<p:sld xmlns:a="http://schemas.openxmlformats.org/drawingml/2006/main" xmlns:r="http://schemas.openxmlformats.org/officeDocument/2006/relationships" xmlns:p="http://schemas.openxmlformats.org/presentationml/2006/main">
   <p:cSld>
     <p:spTree>
       <p:nvGrpSpPr>
@@ -3348,19 +3322,16 @@
           <a:bodyPr/>
           <a:lstStyle/>
           <a:p>
-            <a:pPr/>
             <a:r>
               <a:t>Used classification models: Logistic Regression, SVM, and Random Forest.</a:t>
             </a:r>
           </a:p>
           <a:p>
-            <a:pPr/>
             <a:r>
               <a:t>Input features: midterm grades, study habits, attendance, etc.</a:t>
             </a:r>
           </a:p>
           <a:p>
-            <a:pPr/>
             <a:r>
               <a:t>Outcome: Predict whether a student is likely to fail the final exam.</a:t>
             </a:r>
@@ -3376,7 +3347,7 @@
 </file>
 
 <file path=ppt/slides/slide5.xml><?xml version="1.0" encoding="utf-8"?>
-<p:sld xmlns:a="http://schemas.openxmlformats.org/drawingml/2006/main" xmlns:p="http://schemas.openxmlformats.org/presentationml/2006/main" xmlns:r="http://schemas.openxmlformats.org/officeDocument/2006/relationships">
+<p:sld xmlns:a="http://schemas.openxmlformats.org/drawingml/2006/main" xmlns:r="http://schemas.openxmlformats.org/officeDocument/2006/relationships" xmlns:p="http://schemas.openxmlformats.org/presentationml/2006/main">
   <p:cSld>
     <p:spTree>
       <p:nvGrpSpPr>
@@ -3421,19 +3392,16 @@
           <a:bodyPr/>
           <a:lstStyle/>
           <a:p>
-            <a:pPr/>
             <a:r>
               <a:t>Measured performance using accuracy, precision, recall, and F1 score.</a:t>
             </a:r>
           </a:p>
           <a:p>
-            <a:pPr/>
             <a:r>
               <a:t>Random Forest showed the best balance of performance and interpretability.</a:t>
             </a:r>
           </a:p>
           <a:p>
-            <a:pPr/>
             <a:r>
               <a:t>Top predictors: previous grades (G1, G2), study time, and absences.</a:t>
             </a:r>
@@ -3449,7 +3417,7 @@
 </file>
 
 <file path=ppt/slides/slide6.xml><?xml version="1.0" encoding="utf-8"?>
-<p:sld xmlns:a="http://schemas.openxmlformats.org/drawingml/2006/main" xmlns:p="http://schemas.openxmlformats.org/presentationml/2006/main" xmlns:r="http://schemas.openxmlformats.org/officeDocument/2006/relationships">
+<p:sld xmlns:a="http://schemas.openxmlformats.org/drawingml/2006/main" xmlns:r="http://schemas.openxmlformats.org/officeDocument/2006/relationships" xmlns:p="http://schemas.openxmlformats.org/presentationml/2006/main">
   <p:cSld>
     <p:spTree>
       <p:nvGrpSpPr>
@@ -3494,19 +3462,16 @@
           <a:bodyPr/>
           <a:lstStyle/>
           <a:p>
-            <a:pPr/>
             <a:r>
               <a:t>Use Random Forest model to flag at-risk students early in the semester.</a:t>
             </a:r>
           </a:p>
           <a:p>
-            <a:pPr/>
             <a:r>
               <a:t>Provide targeted academic support based on predictions.</a:t>
             </a:r>
           </a:p>
           <a:p>
-            <a:pPr/>
             <a:r>
               <a:t>Focus on students with low midterm scores and high absences.</a:t>
             </a:r>
@@ -3522,7 +3487,7 @@
 </file>
 
 <file path=ppt/slides/slide7.xml><?xml version="1.0" encoding="utf-8"?>
-<p:sld xmlns:a="http://schemas.openxmlformats.org/drawingml/2006/main" xmlns:p="http://schemas.openxmlformats.org/presentationml/2006/main" xmlns:r="http://schemas.openxmlformats.org/officeDocument/2006/relationships">
+<p:sld xmlns:a="http://schemas.openxmlformats.org/drawingml/2006/main" xmlns:r="http://schemas.openxmlformats.org/officeDocument/2006/relationships" xmlns:p="http://schemas.openxmlformats.org/presentationml/2006/main">
   <p:cSld>
     <p:spTree>
       <p:nvGrpSpPr>
@@ -3567,19 +3532,16 @@
           <a:bodyPr/>
           <a:lstStyle/>
           <a:p>
-            <a:pPr/>
             <a:r>
               <a:t>Integrate model into student monitoring systems.</a:t>
             </a:r>
           </a:p>
           <a:p>
-            <a:pPr/>
             <a:r>
               <a:t>Train teachers and staff to interpret model outputs.</a:t>
             </a:r>
           </a:p>
           <a:p>
-            <a:pPr/>
             <a:r>
               <a:t>Expand dataset with more recent and behavioral data to improve accuracy.</a:t>
             </a:r>
@@ -3595,7 +3557,7 @@
 </file>
 
 <file path=ppt/slides/slide8.xml><?xml version="1.0" encoding="utf-8"?>
-<p:sld xmlns:a="http://schemas.openxmlformats.org/drawingml/2006/main" xmlns:p="http://schemas.openxmlformats.org/presentationml/2006/main" xmlns:r="http://schemas.openxmlformats.org/officeDocument/2006/relationships">
+<p:sld xmlns:a="http://schemas.openxmlformats.org/drawingml/2006/main" xmlns:r="http://schemas.openxmlformats.org/officeDocument/2006/relationships" xmlns:p="http://schemas.openxmlformats.org/presentationml/2006/main">
   <p:cSld>
     <p:spTree>
       <p:nvGrpSpPr>
@@ -3970,6 +3932,10 @@
       </a:style>
     </a:lnDef>
   </a:objectDefaults>
-  <a:extraClrSchemeLst/>
+  <a:extLst>
+    <a:ext uri="{05A4C25C-085E-4340-85A3-A5531E510DB2}">
+      <thm15:themeFamily xmlns:thm15="http://schemas.microsoft.com/office/thememl/2012/main" name="Office Theme" id="{62F939B6-93AF-4DB8-9C6B-D6C7DFDC589F}" vid="{4A3C46E8-61CC-4603-A589-7422A47A8E4A}"/>
+    </a:ext>
+  </a:extLst>
 </a:theme>
 </file>